--- a/Group Presentation .pptx
+++ b/Group Presentation .pptx
@@ -11,7 +11,9 @@
     <p:sldId id="259" r:id="rId8"/>
     <p:sldId id="260" r:id="rId9"/>
     <p:sldId id="262" r:id="rId10"/>
-    <p:sldId id="261" r:id="rId11"/>
+    <p:sldId id="263" r:id="rId11"/>
+    <p:sldId id="261" r:id="rId12"/>
+    <p:sldId id="264" r:id="rId13"/>
   </p:sldIdLst>
   <p:sldSz cx="12192000" cy="6858000"/>
   <p:notesSz cx="6858000" cy="9144000"/>
@@ -129,35 +131,20 @@
 <file path=ppt/changesInfos/changesInfo1.xml><?xml version="1.0" encoding="utf-8"?>
 <pc:chgInfo xmlns:a="http://schemas.openxmlformats.org/drawingml/2006/main" xmlns:r="http://schemas.openxmlformats.org/officeDocument/2006/relationships" xmlns:ac="http://schemas.microsoft.com/office/drawing/2013/main/command" xmlns:pc="http://schemas.microsoft.com/office/powerpoint/2013/main/command">
   <pc:docChgLst>
-    <pc:chgData name="Ciaran" userId="73102c6f-a97b-4e58-bcb1-f41319b305d9" providerId="ADAL" clId="{E0EC1AFD-05B8-4B06-AF26-F682EEA8BC40}"/>
-    <pc:docChg chg="custSel mod addSld delSld modSld">
-      <pc:chgData name="Ciaran" userId="73102c6f-a97b-4e58-bcb1-f41319b305d9" providerId="ADAL" clId="{E0EC1AFD-05B8-4B06-AF26-F682EEA8BC40}" dt="2025-12-03T15:22:12.502" v="16" actId="20577"/>
+    <pc:chgData name="A00290732: Ciaran Tone" userId="73102c6f-a97b-4e58-bcb1-f41319b305d9" providerId="ADAL" clId="{3C78286F-2736-4EE8-8CFC-8635712FE0E2}"/>
+    <pc:docChg chg="custSel addSld modSld sldOrd">
+      <pc:chgData name="A00290732: Ciaran Tone" userId="73102c6f-a97b-4e58-bcb1-f41319b305d9" providerId="ADAL" clId="{3C78286F-2736-4EE8-8CFC-8635712FE0E2}" dt="2025-12-03T13:25:32.932" v="868" actId="20577"/>
       <pc:docMkLst>
         <pc:docMk/>
       </pc:docMkLst>
-      <pc:sldChg chg="modSp mod">
-        <pc:chgData name="Ciaran" userId="73102c6f-a97b-4e58-bcb1-f41319b305d9" providerId="ADAL" clId="{E0EC1AFD-05B8-4B06-AF26-F682EEA8BC40}" dt="2025-12-03T15:22:12.502" v="16" actId="20577"/>
-        <pc:sldMkLst>
-          <pc:docMk/>
-          <pc:sldMk cId="600100911" sldId="257"/>
-        </pc:sldMkLst>
-        <pc:spChg chg="mod">
-          <ac:chgData name="Ciaran" userId="73102c6f-a97b-4e58-bcb1-f41319b305d9" providerId="ADAL" clId="{E0EC1AFD-05B8-4B06-AF26-F682EEA8BC40}" dt="2025-12-03T15:22:12.502" v="16" actId="20577"/>
-          <ac:spMkLst>
-            <pc:docMk/>
-            <pc:sldMk cId="600100911" sldId="257"/>
-            <ac:spMk id="3" creationId="{C0BCA6D1-7E72-4A54-B69C-0829FE6371C3}"/>
-          </ac:spMkLst>
-        </pc:spChg>
-      </pc:sldChg>
-      <pc:sldChg chg="addSp modSp mod setBg">
-        <pc:chgData name="Ciaran" userId="73102c6f-a97b-4e58-bcb1-f41319b305d9" providerId="ADAL" clId="{E0EC1AFD-05B8-4B06-AF26-F682EEA8BC40}" dt="2025-12-03T15:21:50.408" v="1" actId="26606"/>
+      <pc:sldChg chg="addSp delSp modSp new mod">
+        <pc:chgData name="A00290732: Ciaran Tone" userId="73102c6f-a97b-4e58-bcb1-f41319b305d9" providerId="ADAL" clId="{3C78286F-2736-4EE8-8CFC-8635712FE0E2}" dt="2025-12-03T13:25:32.932" v="868" actId="20577"/>
         <pc:sldMkLst>
           <pc:docMk/>
           <pc:sldMk cId="4033877739" sldId="261"/>
         </pc:sldMkLst>
         <pc:spChg chg="mod">
-          <ac:chgData name="Ciaran" userId="73102c6f-a97b-4e58-bcb1-f41319b305d9" providerId="ADAL" clId="{E0EC1AFD-05B8-4B06-AF26-F682EEA8BC40}" dt="2025-12-03T15:21:50.408" v="1" actId="26606"/>
+          <ac:chgData name="A00290732: Ciaran Tone" userId="73102c6f-a97b-4e58-bcb1-f41319b305d9" providerId="ADAL" clId="{3C78286F-2736-4EE8-8CFC-8635712FE0E2}" dt="2025-12-03T13:07:39.731" v="11" actId="20577"/>
           <ac:spMkLst>
             <pc:docMk/>
             <pc:sldMk cId="4033877739" sldId="261"/>
@@ -165,30 +152,30 @@
           </ac:spMkLst>
         </pc:spChg>
         <pc:spChg chg="mod">
-          <ac:chgData name="Ciaran" userId="73102c6f-a97b-4e58-bcb1-f41319b305d9" providerId="ADAL" clId="{E0EC1AFD-05B8-4B06-AF26-F682EEA8BC40}" dt="2025-12-03T15:21:50.408" v="1" actId="26606"/>
+          <ac:chgData name="A00290732: Ciaran Tone" userId="73102c6f-a97b-4e58-bcb1-f41319b305d9" providerId="ADAL" clId="{3C78286F-2736-4EE8-8CFC-8635712FE0E2}" dt="2025-12-03T13:25:32.932" v="868" actId="20577"/>
           <ac:spMkLst>
             <pc:docMk/>
             <pc:sldMk cId="4033877739" sldId="261"/>
             <ac:spMk id="3" creationId="{7AE35CFA-BA2E-495B-814E-E8B655F74647}"/>
           </ac:spMkLst>
         </pc:spChg>
-        <pc:picChg chg="add">
-          <ac:chgData name="Ciaran" userId="73102c6f-a97b-4e58-bcb1-f41319b305d9" providerId="ADAL" clId="{E0EC1AFD-05B8-4B06-AF26-F682EEA8BC40}" dt="2025-12-03T15:21:50.408" v="1" actId="26606"/>
-          <ac:picMkLst>
+        <pc:spChg chg="add del">
+          <ac:chgData name="A00290732: Ciaran Tone" userId="73102c6f-a97b-4e58-bcb1-f41319b305d9" providerId="ADAL" clId="{3C78286F-2736-4EE8-8CFC-8635712FE0E2}" dt="2025-12-03T13:25:09.377" v="807"/>
+          <ac:spMkLst>
             <pc:docMk/>
             <pc:sldMk cId="4033877739" sldId="261"/>
-            <ac:picMk id="5" creationId="{E2D0976E-47E1-048F-5331-619E8CD03E7E}"/>
-          </ac:picMkLst>
-        </pc:picChg>
+            <ac:spMk id="4" creationId="{8D6F1FFB-D2B8-4819-9EB2-C84A9B10966F}"/>
+          </ac:spMkLst>
+        </pc:spChg>
       </pc:sldChg>
-      <pc:sldChg chg="addSp modSp mod setBg">
-        <pc:chgData name="Ciaran" userId="73102c6f-a97b-4e58-bcb1-f41319b305d9" providerId="ADAL" clId="{E0EC1AFD-05B8-4B06-AF26-F682EEA8BC40}" dt="2025-12-03T15:21:41.415" v="0" actId="26606"/>
+      <pc:sldChg chg="modSp new mod ord">
+        <pc:chgData name="A00290732: Ciaran Tone" userId="73102c6f-a97b-4e58-bcb1-f41319b305d9" providerId="ADAL" clId="{3C78286F-2736-4EE8-8CFC-8635712FE0E2}" dt="2025-12-03T13:23:17.937" v="804" actId="20577"/>
         <pc:sldMkLst>
           <pc:docMk/>
           <pc:sldMk cId="2725144822" sldId="262"/>
         </pc:sldMkLst>
         <pc:spChg chg="mod">
-          <ac:chgData name="Ciaran" userId="73102c6f-a97b-4e58-bcb1-f41319b305d9" providerId="ADAL" clId="{E0EC1AFD-05B8-4B06-AF26-F682EEA8BC40}" dt="2025-12-03T15:21:41.415" v="0" actId="26606"/>
+          <ac:chgData name="A00290732: Ciaran Tone" userId="73102c6f-a97b-4e58-bcb1-f41319b305d9" providerId="ADAL" clId="{3C78286F-2736-4EE8-8CFC-8635712FE0E2}" dt="2025-12-03T13:14:27.821" v="116" actId="20577"/>
           <ac:spMkLst>
             <pc:docMk/>
             <pc:sldMk cId="2725144822" sldId="262"/>
@@ -196,28 +183,13 @@
           </ac:spMkLst>
         </pc:spChg>
         <pc:spChg chg="mod">
-          <ac:chgData name="Ciaran" userId="73102c6f-a97b-4e58-bcb1-f41319b305d9" providerId="ADAL" clId="{E0EC1AFD-05B8-4B06-AF26-F682EEA8BC40}" dt="2025-12-03T15:21:41.415" v="0" actId="26606"/>
+          <ac:chgData name="A00290732: Ciaran Tone" userId="73102c6f-a97b-4e58-bcb1-f41319b305d9" providerId="ADAL" clId="{3C78286F-2736-4EE8-8CFC-8635712FE0E2}" dt="2025-12-03T13:23:17.937" v="804" actId="20577"/>
           <ac:spMkLst>
             <pc:docMk/>
             <pc:sldMk cId="2725144822" sldId="262"/>
             <ac:spMk id="3" creationId="{DB58475D-962F-40AF-9C7A-652324E25856}"/>
           </ac:spMkLst>
         </pc:spChg>
-        <pc:picChg chg="add">
-          <ac:chgData name="Ciaran" userId="73102c6f-a97b-4e58-bcb1-f41319b305d9" providerId="ADAL" clId="{E0EC1AFD-05B8-4B06-AF26-F682EEA8BC40}" dt="2025-12-03T15:21:41.415" v="0" actId="26606"/>
-          <ac:picMkLst>
-            <pc:docMk/>
-            <pc:sldMk cId="2725144822" sldId="262"/>
-            <ac:picMk id="5" creationId="{CF4926A3-1B34-4AE6-FB13-60C55430342D}"/>
-          </ac:picMkLst>
-        </pc:picChg>
-      </pc:sldChg>
-      <pc:sldChg chg="new del">
-        <pc:chgData name="Ciaran" userId="73102c6f-a97b-4e58-bcb1-f41319b305d9" providerId="ADAL" clId="{E0EC1AFD-05B8-4B06-AF26-F682EEA8BC40}" dt="2025-12-03T15:22:05.899" v="3" actId="47"/>
-        <pc:sldMkLst>
-          <pc:docMk/>
-          <pc:sldMk cId="2286346495" sldId="263"/>
-        </pc:sldMkLst>
       </pc:sldChg>
     </pc:docChg>
   </pc:docChgLst>
@@ -765,69 +737,6 @@
     </pc:docChg>
   </pc:docChgLst>
   <pc:docChgLst>
-    <pc:chgData name="A00290732: Ciaran Tone" userId="73102c6f-a97b-4e58-bcb1-f41319b305d9" providerId="ADAL" clId="{3C78286F-2736-4EE8-8CFC-8635712FE0E2}"/>
-    <pc:docChg chg="custSel addSld modSld sldOrd">
-      <pc:chgData name="A00290732: Ciaran Tone" userId="73102c6f-a97b-4e58-bcb1-f41319b305d9" providerId="ADAL" clId="{3C78286F-2736-4EE8-8CFC-8635712FE0E2}" dt="2025-12-03T13:25:32.932" v="868" actId="20577"/>
-      <pc:docMkLst>
-        <pc:docMk/>
-      </pc:docMkLst>
-      <pc:sldChg chg="addSp delSp modSp new mod">
-        <pc:chgData name="A00290732: Ciaran Tone" userId="73102c6f-a97b-4e58-bcb1-f41319b305d9" providerId="ADAL" clId="{3C78286F-2736-4EE8-8CFC-8635712FE0E2}" dt="2025-12-03T13:25:32.932" v="868" actId="20577"/>
-        <pc:sldMkLst>
-          <pc:docMk/>
-          <pc:sldMk cId="4033877739" sldId="261"/>
-        </pc:sldMkLst>
-        <pc:spChg chg="mod">
-          <ac:chgData name="A00290732: Ciaran Tone" userId="73102c6f-a97b-4e58-bcb1-f41319b305d9" providerId="ADAL" clId="{3C78286F-2736-4EE8-8CFC-8635712FE0E2}" dt="2025-12-03T13:07:39.731" v="11" actId="20577"/>
-          <ac:spMkLst>
-            <pc:docMk/>
-            <pc:sldMk cId="4033877739" sldId="261"/>
-            <ac:spMk id="2" creationId="{E3F68DC8-3DC2-4B14-B1EB-9B5B336F24A4}"/>
-          </ac:spMkLst>
-        </pc:spChg>
-        <pc:spChg chg="mod">
-          <ac:chgData name="A00290732: Ciaran Tone" userId="73102c6f-a97b-4e58-bcb1-f41319b305d9" providerId="ADAL" clId="{3C78286F-2736-4EE8-8CFC-8635712FE0E2}" dt="2025-12-03T13:25:32.932" v="868" actId="20577"/>
-          <ac:spMkLst>
-            <pc:docMk/>
-            <pc:sldMk cId="4033877739" sldId="261"/>
-            <ac:spMk id="3" creationId="{7AE35CFA-BA2E-495B-814E-E8B655F74647}"/>
-          </ac:spMkLst>
-        </pc:spChg>
-        <pc:spChg chg="add del">
-          <ac:chgData name="A00290732: Ciaran Tone" userId="73102c6f-a97b-4e58-bcb1-f41319b305d9" providerId="ADAL" clId="{3C78286F-2736-4EE8-8CFC-8635712FE0E2}" dt="2025-12-03T13:25:09.377" v="807"/>
-          <ac:spMkLst>
-            <pc:docMk/>
-            <pc:sldMk cId="4033877739" sldId="261"/>
-            <ac:spMk id="4" creationId="{8D6F1FFB-D2B8-4819-9EB2-C84A9B10966F}"/>
-          </ac:spMkLst>
-        </pc:spChg>
-      </pc:sldChg>
-      <pc:sldChg chg="modSp new mod ord">
-        <pc:chgData name="A00290732: Ciaran Tone" userId="73102c6f-a97b-4e58-bcb1-f41319b305d9" providerId="ADAL" clId="{3C78286F-2736-4EE8-8CFC-8635712FE0E2}" dt="2025-12-03T13:23:17.937" v="804" actId="20577"/>
-        <pc:sldMkLst>
-          <pc:docMk/>
-          <pc:sldMk cId="2725144822" sldId="262"/>
-        </pc:sldMkLst>
-        <pc:spChg chg="mod">
-          <ac:chgData name="A00290732: Ciaran Tone" userId="73102c6f-a97b-4e58-bcb1-f41319b305d9" providerId="ADAL" clId="{3C78286F-2736-4EE8-8CFC-8635712FE0E2}" dt="2025-12-03T13:14:27.821" v="116" actId="20577"/>
-          <ac:spMkLst>
-            <pc:docMk/>
-            <pc:sldMk cId="2725144822" sldId="262"/>
-            <ac:spMk id="2" creationId="{ED1FFF22-C8AB-4A78-B6D0-F8AACDF2F8CB}"/>
-          </ac:spMkLst>
-        </pc:spChg>
-        <pc:spChg chg="mod">
-          <ac:chgData name="A00290732: Ciaran Tone" userId="73102c6f-a97b-4e58-bcb1-f41319b305d9" providerId="ADAL" clId="{3C78286F-2736-4EE8-8CFC-8635712FE0E2}" dt="2025-12-03T13:23:17.937" v="804" actId="20577"/>
-          <ac:spMkLst>
-            <pc:docMk/>
-            <pc:sldMk cId="2725144822" sldId="262"/>
-            <ac:spMk id="3" creationId="{DB58475D-962F-40AF-9C7A-652324E25856}"/>
-          </ac:spMkLst>
-        </pc:spChg>
-      </pc:sldChg>
-    </pc:docChg>
-  </pc:docChgLst>
-  <pc:docChgLst>
     <pc:chgData name="A00290732: Ciaran Tone" userId="S::a00290732@student.tus.ie::73102c6f-a97b-4e58-bcb1-f41319b305d9" providerId="AD" clId="Web-{FF767B09-1898-6A39-2A80-6802CAF93D9D}"/>
     <pc:docChg chg="modSld">
       <pc:chgData name="A00290732: Ciaran Tone" userId="S::a00290732@student.tus.ie::73102c6f-a97b-4e58-bcb1-f41319b305d9" providerId="AD" clId="Web-{FF767B09-1898-6A39-2A80-6802CAF93D9D}" dt="2025-12-03T12:58:37.573" v="0"/>
@@ -912,6 +821,99 @@
             <ac:picMk id="16" creationId="{4F3661D0-2268-4D3E-88BA-0647BCBE33AF}"/>
           </ac:picMkLst>
         </pc:picChg>
+      </pc:sldChg>
+    </pc:docChg>
+  </pc:docChgLst>
+  <pc:docChgLst>
+    <pc:chgData name="Ciaran" userId="73102c6f-a97b-4e58-bcb1-f41319b305d9" providerId="ADAL" clId="{E0EC1AFD-05B8-4B06-AF26-F682EEA8BC40}"/>
+    <pc:docChg chg="custSel mod addSld delSld modSld">
+      <pc:chgData name="Ciaran" userId="73102c6f-a97b-4e58-bcb1-f41319b305d9" providerId="ADAL" clId="{E0EC1AFD-05B8-4B06-AF26-F682EEA8BC40}" dt="2025-12-03T15:22:12.502" v="16" actId="20577"/>
+      <pc:docMkLst>
+        <pc:docMk/>
+      </pc:docMkLst>
+      <pc:sldChg chg="modSp mod">
+        <pc:chgData name="Ciaran" userId="73102c6f-a97b-4e58-bcb1-f41319b305d9" providerId="ADAL" clId="{E0EC1AFD-05B8-4B06-AF26-F682EEA8BC40}" dt="2025-12-03T15:22:12.502" v="16" actId="20577"/>
+        <pc:sldMkLst>
+          <pc:docMk/>
+          <pc:sldMk cId="600100911" sldId="257"/>
+        </pc:sldMkLst>
+        <pc:spChg chg="mod">
+          <ac:chgData name="Ciaran" userId="73102c6f-a97b-4e58-bcb1-f41319b305d9" providerId="ADAL" clId="{E0EC1AFD-05B8-4B06-AF26-F682EEA8BC40}" dt="2025-12-03T15:22:12.502" v="16" actId="20577"/>
+          <ac:spMkLst>
+            <pc:docMk/>
+            <pc:sldMk cId="600100911" sldId="257"/>
+            <ac:spMk id="3" creationId="{C0BCA6D1-7E72-4A54-B69C-0829FE6371C3}"/>
+          </ac:spMkLst>
+        </pc:spChg>
+      </pc:sldChg>
+      <pc:sldChg chg="addSp modSp mod setBg">
+        <pc:chgData name="Ciaran" userId="73102c6f-a97b-4e58-bcb1-f41319b305d9" providerId="ADAL" clId="{E0EC1AFD-05B8-4B06-AF26-F682EEA8BC40}" dt="2025-12-03T15:21:50.408" v="1" actId="26606"/>
+        <pc:sldMkLst>
+          <pc:docMk/>
+          <pc:sldMk cId="4033877739" sldId="261"/>
+        </pc:sldMkLst>
+        <pc:spChg chg="mod">
+          <ac:chgData name="Ciaran" userId="73102c6f-a97b-4e58-bcb1-f41319b305d9" providerId="ADAL" clId="{E0EC1AFD-05B8-4B06-AF26-F682EEA8BC40}" dt="2025-12-03T15:21:50.408" v="1" actId="26606"/>
+          <ac:spMkLst>
+            <pc:docMk/>
+            <pc:sldMk cId="4033877739" sldId="261"/>
+            <ac:spMk id="2" creationId="{E3F68DC8-3DC2-4B14-B1EB-9B5B336F24A4}"/>
+          </ac:spMkLst>
+        </pc:spChg>
+        <pc:spChg chg="mod">
+          <ac:chgData name="Ciaran" userId="73102c6f-a97b-4e58-bcb1-f41319b305d9" providerId="ADAL" clId="{E0EC1AFD-05B8-4B06-AF26-F682EEA8BC40}" dt="2025-12-03T15:21:50.408" v="1" actId="26606"/>
+          <ac:spMkLst>
+            <pc:docMk/>
+            <pc:sldMk cId="4033877739" sldId="261"/>
+            <ac:spMk id="3" creationId="{7AE35CFA-BA2E-495B-814E-E8B655F74647}"/>
+          </ac:spMkLst>
+        </pc:spChg>
+        <pc:picChg chg="add">
+          <ac:chgData name="Ciaran" userId="73102c6f-a97b-4e58-bcb1-f41319b305d9" providerId="ADAL" clId="{E0EC1AFD-05B8-4B06-AF26-F682EEA8BC40}" dt="2025-12-03T15:21:50.408" v="1" actId="26606"/>
+          <ac:picMkLst>
+            <pc:docMk/>
+            <pc:sldMk cId="4033877739" sldId="261"/>
+            <ac:picMk id="5" creationId="{E2D0976E-47E1-048F-5331-619E8CD03E7E}"/>
+          </ac:picMkLst>
+        </pc:picChg>
+      </pc:sldChg>
+      <pc:sldChg chg="addSp modSp mod setBg">
+        <pc:chgData name="Ciaran" userId="73102c6f-a97b-4e58-bcb1-f41319b305d9" providerId="ADAL" clId="{E0EC1AFD-05B8-4B06-AF26-F682EEA8BC40}" dt="2025-12-03T15:21:41.415" v="0" actId="26606"/>
+        <pc:sldMkLst>
+          <pc:docMk/>
+          <pc:sldMk cId="2725144822" sldId="262"/>
+        </pc:sldMkLst>
+        <pc:spChg chg="mod">
+          <ac:chgData name="Ciaran" userId="73102c6f-a97b-4e58-bcb1-f41319b305d9" providerId="ADAL" clId="{E0EC1AFD-05B8-4B06-AF26-F682EEA8BC40}" dt="2025-12-03T15:21:41.415" v="0" actId="26606"/>
+          <ac:spMkLst>
+            <pc:docMk/>
+            <pc:sldMk cId="2725144822" sldId="262"/>
+            <ac:spMk id="2" creationId="{ED1FFF22-C8AB-4A78-B6D0-F8AACDF2F8CB}"/>
+          </ac:spMkLst>
+        </pc:spChg>
+        <pc:spChg chg="mod">
+          <ac:chgData name="Ciaran" userId="73102c6f-a97b-4e58-bcb1-f41319b305d9" providerId="ADAL" clId="{E0EC1AFD-05B8-4B06-AF26-F682EEA8BC40}" dt="2025-12-03T15:21:41.415" v="0" actId="26606"/>
+          <ac:spMkLst>
+            <pc:docMk/>
+            <pc:sldMk cId="2725144822" sldId="262"/>
+            <ac:spMk id="3" creationId="{DB58475D-962F-40AF-9C7A-652324E25856}"/>
+          </ac:spMkLst>
+        </pc:spChg>
+        <pc:picChg chg="add">
+          <ac:chgData name="Ciaran" userId="73102c6f-a97b-4e58-bcb1-f41319b305d9" providerId="ADAL" clId="{E0EC1AFD-05B8-4B06-AF26-F682EEA8BC40}" dt="2025-12-03T15:21:41.415" v="0" actId="26606"/>
+          <ac:picMkLst>
+            <pc:docMk/>
+            <pc:sldMk cId="2725144822" sldId="262"/>
+            <ac:picMk id="5" creationId="{CF4926A3-1B34-4AE6-FB13-60C55430342D}"/>
+          </ac:picMkLst>
+        </pc:picChg>
+      </pc:sldChg>
+      <pc:sldChg chg="new del">
+        <pc:chgData name="Ciaran" userId="73102c6f-a97b-4e58-bcb1-f41319b305d9" providerId="ADAL" clId="{E0EC1AFD-05B8-4B06-AF26-F682EEA8BC40}" dt="2025-12-03T15:22:05.899" v="3" actId="47"/>
+        <pc:sldMkLst>
+          <pc:docMk/>
+          <pc:sldMk cId="2286346495" sldId="263"/>
+        </pc:sldMkLst>
       </pc:sldChg>
     </pc:docChg>
   </pc:docChgLst>
@@ -8962,7 +8964,7 @@
               </a:lnSpc>
             </a:pPr>
             <a:r>
-              <a:rPr lang="en-IE" sz="1500"/>
+              <a:rPr lang="en-IE" sz="1500" dirty="0"/>
               <a:t>Given the population density of Dublin it may be reasonable to investigate taking the increased volatility of road conditions into account when assessing young drivers</a:t>
             </a:r>
           </a:p>
@@ -8973,7 +8975,7 @@
               </a:lnSpc>
             </a:pPr>
             <a:r>
-              <a:rPr lang="en-IE" sz="1500"/>
+              <a:rPr lang="en-IE" sz="1500" dirty="0"/>
               <a:t>Less populated areas enjoy higher pass rates</a:t>
             </a:r>
           </a:p>
@@ -8984,8 +8986,16 @@
               </a:lnSpc>
             </a:pPr>
             <a:r>
-              <a:rPr lang="en-IE" sz="1500"/>
-              <a:t>Greater likelihood of encountering unpredictable hazards in large urban centres</a:t>
+              <a:rPr lang="en-IE" sz="1500" dirty="0"/>
+              <a:t>Greater likelihood of encountering unpredictable hazards in large urban centres (Yang </a:t>
+            </a:r>
+            <a:r>
+              <a:rPr lang="en-IE" sz="1500" i="1" dirty="0"/>
+              <a:t>et al</a:t>
+            </a:r>
+            <a:r>
+              <a:rPr lang="en-IE" sz="1500" dirty="0"/>
+              <a:t>, 2018)</a:t>
             </a:r>
           </a:p>
           <a:p>
@@ -8995,7 +9005,7 @@
               </a:lnSpc>
             </a:pPr>
             <a:r>
-              <a:rPr lang="en-IE" sz="1500"/>
+              <a:rPr lang="en-IE" sz="1500" dirty="0"/>
               <a:t>It may be necessary to examine the work load of testers to ensure that large volumes of applicants can receive the most balanced assessment</a:t>
             </a:r>
           </a:p>
@@ -9005,7 +9015,7 @@
                 <a:spcPct val="90000"/>
               </a:lnSpc>
             </a:pPr>
-            <a:endParaRPr lang="en-IE" sz="1500"/>
+            <a:endParaRPr lang="en-IE" sz="1500" dirty="0"/>
           </a:p>
         </p:txBody>
       </p:sp>
@@ -9023,6 +9033,113 @@
 </file>
 
 <file path=ppt/slides/slide7.xml><?xml version="1.0" encoding="utf-8"?>
+<p:sld xmlns:a="http://schemas.openxmlformats.org/drawingml/2006/main" xmlns:r="http://schemas.openxmlformats.org/officeDocument/2006/relationships" xmlns:p="http://schemas.openxmlformats.org/presentationml/2006/main">
+  <p:cSld>
+    <p:spTree>
+      <p:nvGrpSpPr>
+        <p:cNvPr id="1" name=""/>
+        <p:cNvGrpSpPr/>
+        <p:nvPr/>
+      </p:nvGrpSpPr>
+      <p:grpSpPr>
+        <a:xfrm>
+          <a:off x="0" y="0"/>
+          <a:ext cx="0" cy="0"/>
+          <a:chOff x="0" y="0"/>
+          <a:chExt cx="0" cy="0"/>
+        </a:xfrm>
+      </p:grpSpPr>
+      <p:sp>
+        <p:nvSpPr>
+          <p:cNvPr id="2" name="Title 1">
+            <a:extLst>
+              <a:ext uri="{FF2B5EF4-FFF2-40B4-BE49-F238E27FC236}">
+                <a16:creationId xmlns:a16="http://schemas.microsoft.com/office/drawing/2014/main" id="{05515644-AFDD-46D1-B299-9542636F7F8D}"/>
+              </a:ext>
+            </a:extLst>
+          </p:cNvPr>
+          <p:cNvSpPr>
+            <a:spLocks noGrp="1"/>
+          </p:cNvSpPr>
+          <p:nvPr>
+            <p:ph type="title"/>
+          </p:nvPr>
+        </p:nvSpPr>
+        <p:spPr/>
+        <p:txBody>
+          <a:bodyPr/>
+          <a:lstStyle/>
+          <a:p>
+            <a:r>
+              <a:rPr lang="en-IE" dirty="0"/>
+              <a:t>Recommendations</a:t>
+            </a:r>
+          </a:p>
+        </p:txBody>
+      </p:sp>
+      <p:sp>
+        <p:nvSpPr>
+          <p:cNvPr id="3" name="Content Placeholder 2">
+            <a:extLst>
+              <a:ext uri="{FF2B5EF4-FFF2-40B4-BE49-F238E27FC236}">
+                <a16:creationId xmlns:a16="http://schemas.microsoft.com/office/drawing/2014/main" id="{A266FEE5-0799-4ABE-A6E2-1307932421BE}"/>
+              </a:ext>
+            </a:extLst>
+          </p:cNvPr>
+          <p:cNvSpPr>
+            <a:spLocks noGrp="1"/>
+          </p:cNvSpPr>
+          <p:nvPr>
+            <p:ph idx="1"/>
+          </p:nvPr>
+        </p:nvSpPr>
+        <p:spPr/>
+        <p:txBody>
+          <a:bodyPr/>
+          <a:lstStyle/>
+          <a:p>
+            <a:r>
+              <a:rPr lang="en-IE" dirty="0"/>
+              <a:t>Greater data collection points would help to further assess contributing factors to test success rates. These factors include, but are not limited to:</a:t>
+            </a:r>
+          </a:p>
+          <a:p>
+            <a:pPr lvl="1"/>
+            <a:r>
+              <a:rPr lang="en-IE" dirty="0"/>
+              <a:t>Test instructor availability per county </a:t>
+            </a:r>
+          </a:p>
+          <a:p>
+            <a:pPr lvl="1"/>
+            <a:r>
+              <a:rPr lang="en-IE" dirty="0"/>
+              <a:t>Lessons taken </a:t>
+            </a:r>
+          </a:p>
+          <a:p>
+            <a:pPr lvl="1"/>
+            <a:r>
+              <a:rPr lang="en-IE" dirty="0"/>
+              <a:t>Socioeconomic indicators</a:t>
+            </a:r>
+          </a:p>
+        </p:txBody>
+      </p:sp>
+    </p:spTree>
+    <p:extLst>
+      <p:ext uri="{BB962C8B-B14F-4D97-AF65-F5344CB8AC3E}">
+        <p14:creationId xmlns:p14="http://schemas.microsoft.com/office/powerpoint/2010/main" val="4294361888"/>
+      </p:ext>
+    </p:extLst>
+  </p:cSld>
+  <p:clrMapOvr>
+    <a:masterClrMapping/>
+  </p:clrMapOvr>
+</p:sld>
+</file>
+
+<file path=ppt/slides/slide8.xml><?xml version="1.0" encoding="utf-8"?>
 <p:sld xmlns:a="http://schemas.openxmlformats.org/drawingml/2006/main" xmlns:r="http://schemas.openxmlformats.org/officeDocument/2006/relationships" xmlns:p="http://schemas.openxmlformats.org/presentationml/2006/main">
   <p:cSld>
     <p:bg>
@@ -9210,6 +9327,111 @@
     <p:extLst>
       <p:ext uri="{BB962C8B-B14F-4D97-AF65-F5344CB8AC3E}">
         <p14:creationId xmlns:p14="http://schemas.microsoft.com/office/powerpoint/2010/main" val="4033877739"/>
+      </p:ext>
+    </p:extLst>
+  </p:cSld>
+  <p:clrMapOvr>
+    <a:masterClrMapping/>
+  </p:clrMapOvr>
+</p:sld>
+</file>
+
+<file path=ppt/slides/slide9.xml><?xml version="1.0" encoding="utf-8"?>
+<p:sld xmlns:a="http://schemas.openxmlformats.org/drawingml/2006/main" xmlns:r="http://schemas.openxmlformats.org/officeDocument/2006/relationships" xmlns:p="http://schemas.openxmlformats.org/presentationml/2006/main">
+  <p:cSld>
+    <p:spTree>
+      <p:nvGrpSpPr>
+        <p:cNvPr id="1" name=""/>
+        <p:cNvGrpSpPr/>
+        <p:nvPr/>
+      </p:nvGrpSpPr>
+      <p:grpSpPr>
+        <a:xfrm>
+          <a:off x="0" y="0"/>
+          <a:ext cx="0" cy="0"/>
+          <a:chOff x="0" y="0"/>
+          <a:chExt cx="0" cy="0"/>
+        </a:xfrm>
+      </p:grpSpPr>
+      <p:sp>
+        <p:nvSpPr>
+          <p:cNvPr id="2" name="Title 1">
+            <a:extLst>
+              <a:ext uri="{FF2B5EF4-FFF2-40B4-BE49-F238E27FC236}">
+                <a16:creationId xmlns:a16="http://schemas.microsoft.com/office/drawing/2014/main" id="{3A7748AF-9847-4863-8AE8-A6E1658C3839}"/>
+              </a:ext>
+            </a:extLst>
+          </p:cNvPr>
+          <p:cNvSpPr>
+            <a:spLocks noGrp="1"/>
+          </p:cNvSpPr>
+          <p:nvPr>
+            <p:ph type="title"/>
+          </p:nvPr>
+        </p:nvSpPr>
+        <p:spPr/>
+        <p:txBody>
+          <a:bodyPr/>
+          <a:lstStyle/>
+          <a:p>
+            <a:r>
+              <a:rPr lang="en-IE"/>
+              <a:t>Citation(s)</a:t>
+            </a:r>
+            <a:endParaRPr lang="en-IE" dirty="0"/>
+          </a:p>
+        </p:txBody>
+      </p:sp>
+      <p:sp>
+        <p:nvSpPr>
+          <p:cNvPr id="3" name="Content Placeholder 2">
+            <a:extLst>
+              <a:ext uri="{FF2B5EF4-FFF2-40B4-BE49-F238E27FC236}">
+                <a16:creationId xmlns:a16="http://schemas.microsoft.com/office/drawing/2014/main" id="{16E8BEA9-F5EE-451A-8635-5181496DFC49}"/>
+              </a:ext>
+            </a:extLst>
+          </p:cNvPr>
+          <p:cNvSpPr>
+            <a:spLocks noGrp="1"/>
+          </p:cNvSpPr>
+          <p:nvPr>
+            <p:ph idx="1"/>
+          </p:nvPr>
+        </p:nvSpPr>
+        <p:spPr/>
+        <p:txBody>
+          <a:bodyPr>
+            <a:normAutofit/>
+          </a:bodyPr>
+          <a:lstStyle/>
+          <a:p>
+            <a:r>
+              <a:rPr lang="en-IE" sz="1600" dirty="0"/>
+              <a:t>Yang, L. </a:t>
+            </a:r>
+            <a:r>
+              <a:rPr lang="en-IE" sz="1600" i="1" dirty="0"/>
+              <a:t>et al.</a:t>
+            </a:r>
+            <a:r>
+              <a:rPr lang="en-IE" sz="1600" dirty="0"/>
+              <a:t> (2018) ‘Effect of traffic density on drivers' lane change and overtaking manoeuvres in freeway situation – A driving simulator based study’, </a:t>
+            </a:r>
+            <a:r>
+              <a:rPr lang="en-IE" sz="1600" i="1" dirty="0"/>
+              <a:t>Traffic Injury Prevention</a:t>
+            </a:r>
+            <a:r>
+              <a:rPr lang="en-IE" sz="1600" dirty="0"/>
+              <a:t>, pp. 2</a:t>
+            </a:r>
+          </a:p>
+        </p:txBody>
+      </p:sp>
+    </p:spTree>
+    <p:extLst>
+      <p:ext uri="{BB962C8B-B14F-4D97-AF65-F5344CB8AC3E}">
+        <p14:creationId xmlns:p14="http://schemas.microsoft.com/office/powerpoint/2010/main" val="3760978919"/>
       </p:ext>
     </p:extLst>
   </p:cSld>
@@ -9485,6 +9707,15 @@
 </file>
 
 <file path=customXml/item1.xml><?xml version="1.0" encoding="utf-8"?>
+<?mso-contentType ?>
+<FormTemplates xmlns="http://schemas.microsoft.com/sharepoint/v3/contenttype/forms">
+  <Display>DocumentLibraryForm</Display>
+  <Edit>DocumentLibraryForm</Edit>
+  <New>DocumentLibraryForm</New>
+</FormTemplates>
+</file>
+
+<file path=customXml/item2.xml><?xml version="1.0" encoding="utf-8"?>
 <p:properties xmlns:p="http://schemas.microsoft.com/office/2006/metadata/properties" xmlns:xsi="http://www.w3.org/2001/XMLSchema-instance" xmlns:pc="http://schemas.microsoft.com/office/infopath/2007/PartnerControls">
   <documentManagement>
     <_activity xmlns="bb3f0111-003d-4187-8263-53e8e95bdeff" xsi:nil="true"/>
@@ -9492,7 +9723,7 @@
 </p:properties>
 </file>
 
-<file path=customXml/item2.xml><?xml version="1.0" encoding="utf-8"?>
+<file path=customXml/item3.xml><?xml version="1.0" encoding="utf-8"?>
 <ct:contentTypeSchema xmlns:ct="http://schemas.microsoft.com/office/2006/metadata/contentType" xmlns:ma="http://schemas.microsoft.com/office/2006/metadata/properties/metaAttributes" ct:_="" ma:_="" ma:contentTypeName="Document" ma:contentTypeID="0x0101007B20AC007EE3C74E92E547399B7A01B6" ma:contentTypeVersion="16" ma:contentTypeDescription="Create a new document." ma:contentTypeScope="" ma:versionID="9d0ba56be9fcafe428b6bb353a492c7b">
   <xsd:schema xmlns:xsd="http://www.w3.org/2001/XMLSchema" xmlns:xs="http://www.w3.org/2001/XMLSchema" xmlns:p="http://schemas.microsoft.com/office/2006/metadata/properties" xmlns:ns3="bb3f0111-003d-4187-8263-53e8e95bdeff" xmlns:ns4="e8edc816-0046-4d9d-b7f3-517fa72553d1" targetNamespace="http://schemas.microsoft.com/office/2006/metadata/properties" ma:root="true" ma:fieldsID="f934eb1730838634edbe4247082e8230" ns3:_="" ns4:_="">
     <xsd:import namespace="bb3f0111-003d-4187-8263-53e8e95bdeff"/>
@@ -9731,16 +9962,15 @@
 </ct:contentTypeSchema>
 </file>
 
-<file path=customXml/item3.xml><?xml version="1.0" encoding="utf-8"?>
-<?mso-contentType ?>
-<FormTemplates xmlns="http://schemas.microsoft.com/sharepoint/v3/contenttype/forms">
-  <Display>DocumentLibraryForm</Display>
-  <Edit>DocumentLibraryForm</Edit>
-  <New>DocumentLibraryForm</New>
-</FormTemplates>
+<file path=customXml/itemProps1.xml><?xml version="1.0" encoding="utf-8"?>
+<ds:datastoreItem xmlns:ds="http://schemas.openxmlformats.org/officeDocument/2006/customXml" ds:itemID="{3FF8571B-6E74-420F-9AAA-12A461BA3FB9}">
+  <ds:schemaRefs>
+    <ds:schemaRef ds:uri="http://schemas.microsoft.com/sharepoint/v3/contenttype/forms"/>
+  </ds:schemaRefs>
+</ds:datastoreItem>
 </file>
 
-<file path=customXml/itemProps1.xml><?xml version="1.0" encoding="utf-8"?>
+<file path=customXml/itemProps2.xml><?xml version="1.0" encoding="utf-8"?>
 <ds:datastoreItem xmlns:ds="http://schemas.openxmlformats.org/officeDocument/2006/customXml" ds:itemID="{319BC27B-0493-4EE3-BB9D-83C6D57B3AEE}">
   <ds:schemaRefs>
     <ds:schemaRef ds:uri="bb3f0111-003d-4187-8263-53e8e95bdeff"/>
@@ -9757,7 +9987,7 @@
 </ds:datastoreItem>
 </file>
 
-<file path=customXml/itemProps2.xml><?xml version="1.0" encoding="utf-8"?>
+<file path=customXml/itemProps3.xml><?xml version="1.0" encoding="utf-8"?>
 <ds:datastoreItem xmlns:ds="http://schemas.openxmlformats.org/officeDocument/2006/customXml" ds:itemID="{22D8CB5F-25A0-430B-94B0-722C4163EC9C}">
   <ds:schemaRefs>
     <ds:schemaRef ds:uri="bb3f0111-003d-4187-8263-53e8e95bdeff"/>
@@ -9774,12 +10004,4 @@
     <ds:schemaRef ds:uri="http://www.w3.org/2001/XMLSchema"/>
   </ds:schemaRefs>
 </ds:datastoreItem>
-</file>
-
-<file path=customXml/itemProps3.xml><?xml version="1.0" encoding="utf-8"?>
-<ds:datastoreItem xmlns:ds="http://schemas.openxmlformats.org/officeDocument/2006/customXml" ds:itemID="{3FF8571B-6E74-420F-9AAA-12A461BA3FB9}">
-  <ds:schemaRefs>
-    <ds:schemaRef ds:uri="http://schemas.microsoft.com/sharepoint/v3/contenttype/forms"/>
-  </ds:schemaRefs>
-</ds:datastoreItem>
 </file>